--- a/Daily Agendas/Day6.1_MagnetismInduction.pptx
+++ b/Daily Agendas/Day6.1_MagnetismInduction.pptx
@@ -3073,11 +3073,15 @@
           <a:p>
             <a:r>
               <a:rPr lang="en-US" dirty="0" smtClean="0"/>
-              <a:t>Magnetism in Coils  – Oct </a:t>
+              <a:t>Magnetic Induction </a:t>
             </a:r>
             <a:r>
               <a:rPr lang="en-US" dirty="0" smtClean="0"/>
-              <a:t>07</a:t>
+              <a:t>– </a:t>
+            </a:r>
+            <a:r>
+              <a:rPr lang="en-US" dirty="0" smtClean="0"/>
+              <a:t>Oct 07</a:t>
             </a:r>
             <a:r>
               <a:rPr lang="en-US" dirty="0"/>
@@ -3126,7 +3130,6 @@
               <a:rPr lang="en-CA" sz="2400" dirty="0" smtClean="0"/>
               <a:t>Magnetism Investigation:</a:t>
             </a:r>
-            <a:endParaRPr lang="en-CA" sz="2400" dirty="0" smtClean="0"/>
           </a:p>
           <a:p>
             <a:pPr lvl="2"/>
@@ -3142,7 +3145,6 @@
               <a:rPr lang="en-CA" sz="2000" dirty="0" smtClean="0"/>
               <a:t> Principle &amp; RHR #2</a:t>
             </a:r>
-            <a:endParaRPr lang="en-CA" sz="2000" dirty="0" smtClean="0"/>
           </a:p>
           <a:p>
             <a:pPr lvl="1"/>
@@ -3150,7 +3152,6 @@
               <a:rPr lang="en-CA" sz="2400" dirty="0" smtClean="0"/>
               <a:t>Induction Presentation:</a:t>
             </a:r>
-            <a:endParaRPr lang="en-CA" sz="2400" dirty="0" smtClean="0"/>
           </a:p>
           <a:p>
             <a:pPr lvl="2"/>
@@ -3158,19 +3159,13 @@
               <a:rPr lang="en-CA" sz="2000" dirty="0" smtClean="0"/>
               <a:t>Discussion &amp; Note</a:t>
             </a:r>
-            <a:endParaRPr lang="en-CA" sz="2000" dirty="0" smtClean="0"/>
           </a:p>
           <a:p>
             <a:pPr lvl="2"/>
             <a:r>
               <a:rPr lang="en-CA" sz="2000" dirty="0" smtClean="0"/>
-              <a:t>Magnetism Worksheet 2 (Pages </a:t>
-            </a:r>
-            <a:r>
-              <a:rPr lang="en-CA" sz="2000" dirty="0" smtClean="0"/>
-              <a:t>2-3)</a:t>
-            </a:r>
-            <a:endParaRPr lang="en-CA" sz="2000" dirty="0" smtClean="0"/>
+              <a:t>Magnetism Worksheet 2 (Pages 2-3)</a:t>
+            </a:r>
           </a:p>
           <a:p>
             <a:pPr lvl="1"/>
@@ -3214,14 +3209,42 @@
           <a:p>
             <a:pPr lvl="1"/>
             <a:r>
-              <a:rPr lang="en-CA" sz="2400" dirty="0" smtClean="0"/>
-              <a:t>Thu</a:t>
-            </a:r>
-            <a:r>
-              <a:rPr lang="en-CA" sz="2400" dirty="0" smtClean="0"/>
-              <a:t>. Oct 10: Magnetism Quest</a:t>
-            </a:r>
-            <a:endParaRPr lang="en-US" sz="2400" dirty="0"/>
+              <a:rPr lang="en-CA" sz="2400" dirty="0" smtClean="0">
+                <a:solidFill>
+                  <a:srgbClr val="FF0000"/>
+                </a:solidFill>
+              </a:rPr>
+              <a:t>Tue. </a:t>
+            </a:r>
+            <a:r>
+              <a:rPr lang="en-CA" sz="2400" dirty="0" smtClean="0">
+                <a:solidFill>
+                  <a:srgbClr val="FF0000"/>
+                </a:solidFill>
+              </a:rPr>
+              <a:t>Oct </a:t>
+            </a:r>
+            <a:r>
+              <a:rPr lang="en-CA" sz="2400" dirty="0" smtClean="0">
+                <a:solidFill>
+                  <a:srgbClr val="FF0000"/>
+                </a:solidFill>
+              </a:rPr>
+              <a:t>15: </a:t>
+            </a:r>
+            <a:r>
+              <a:rPr lang="en-CA" sz="2400" dirty="0" smtClean="0">
+                <a:solidFill>
+                  <a:srgbClr val="FF0000"/>
+                </a:solidFill>
+              </a:rPr>
+              <a:t>Magnetism Quest</a:t>
+            </a:r>
+            <a:endParaRPr lang="en-US" sz="2400" dirty="0">
+              <a:solidFill>
+                <a:srgbClr val="FF0000"/>
+              </a:solidFill>
+            </a:endParaRPr>
           </a:p>
         </p:txBody>
       </p:sp>
@@ -3230,6 +3253,13 @@
   <p:clrMapOvr>
     <a:masterClrMapping/>
   </p:clrMapOvr>
+  <p:timing>
+    <p:tnLst>
+      <p:par>
+        <p:cTn id="1" dur="indefinite" restart="never" nodeType="tmRoot"/>
+      </p:par>
+    </p:tnLst>
+  </p:timing>
 </p:sld>
 </file>
 
